--- a/Presentacion de diagramas.pptx
+++ b/Presentacion de diagramas.pptx
@@ -1,6 +1,6 @@
 
 <file path=ppt/presentation.xml><?xml version="1.0" encoding="utf-8"?>
-<p:presentation xmlns:a="http://schemas.openxmlformats.org/drawingml/2006/main" xmlns:r="http://schemas.openxmlformats.org/officeDocument/2006/relationships" xmlns:p="http://schemas.openxmlformats.org/presentationml/2006/main" autoCompressPictures="0">
+<p:presentation xmlns:a="http://schemas.openxmlformats.org/drawingml/2006/main" xmlns:r="http://schemas.openxmlformats.org/officeDocument/2006/relationships" xmlns:p="http://schemas.openxmlformats.org/presentationml/2006/main" saveSubsetFonts="1" autoCompressPictures="0">
   <p:sldMasterIdLst>
     <p:sldMasterId id="2147483661" r:id="rId1"/>
   </p:sldMasterIdLst>
@@ -306,7 +306,7 @@
           <a:p>
             <a:fld id="{6AD6EE87-EBD5-4F12-A48A-63ACA297AC8F}" type="datetimeFigureOut">
               <a:rPr lang="en-US" smtClean="0"/>
-              <a:t>9/5/2017</a:t>
+              <a:t>9/5/17</a:t>
             </a:fld>
             <a:endParaRPr lang="en-US" dirty="0"/>
           </a:p>
@@ -348,7 +348,7 @@
           <a:p>
             <a:fld id="{4FAB73BC-B049-4115-A692-8D63A059BFB8}" type="slidenum">
               <a:rPr lang="en-US" smtClean="0"/>
-              <a:t>‹Nº›</a:t>
+              <a:t>‹Nr.›</a:t>
             </a:fld>
             <a:endParaRPr lang="en-US" dirty="0"/>
           </a:p>
@@ -582,7 +582,7 @@
             <a:fld id="{90298CD5-6C1E-4009-B41F-6DF62E31D3BE}" type="datetimeFigureOut">
               <a:rPr lang="en-US" smtClean="0"/>
               <a:pPr/>
-              <a:t>9/5/2017</a:t>
+              <a:t>9/5/17</a:t>
             </a:fld>
             <a:endParaRPr lang="en-US" dirty="0"/>
           </a:p>
@@ -625,7 +625,7 @@
             <a:fld id="{4FAB73BC-B049-4115-A692-8D63A059BFB8}" type="slidenum">
               <a:rPr lang="en-US" smtClean="0"/>
               <a:pPr/>
-              <a:t>‹Nº›</a:t>
+              <a:t>‹Nr.›</a:t>
             </a:fld>
             <a:endParaRPr lang="en-US" dirty="0"/>
           </a:p>
@@ -778,7 +778,7 @@
             <a:fld id="{90298CD5-6C1E-4009-B41F-6DF62E31D3BE}" type="datetimeFigureOut">
               <a:rPr lang="en-US" smtClean="0"/>
               <a:pPr/>
-              <a:t>9/5/2017</a:t>
+              <a:t>9/5/17</a:t>
             </a:fld>
             <a:endParaRPr lang="en-US" dirty="0"/>
           </a:p>
@@ -821,7 +821,7 @@
             <a:fld id="{4FAB73BC-B049-4115-A692-8D63A059BFB8}" type="slidenum">
               <a:rPr lang="en-US" smtClean="0"/>
               <a:pPr/>
-              <a:t>‹Nº›</a:t>
+              <a:t>‹Nr.›</a:t>
             </a:fld>
             <a:endParaRPr lang="en-US" dirty="0"/>
           </a:p>
@@ -1053,7 +1053,7 @@
             <a:fld id="{90298CD5-6C1E-4009-B41F-6DF62E31D3BE}" type="datetimeFigureOut">
               <a:rPr lang="en-US" smtClean="0"/>
               <a:pPr/>
-              <a:t>9/5/2017</a:t>
+              <a:t>9/5/17</a:t>
             </a:fld>
             <a:endParaRPr lang="en-US" dirty="0"/>
           </a:p>
@@ -1096,7 +1096,7 @@
             <a:fld id="{4FAB73BC-B049-4115-A692-8D63A059BFB8}" type="slidenum">
               <a:rPr lang="en-US" smtClean="0"/>
               <a:pPr/>
-              <a:t>‹Nº›</a:t>
+              <a:t>‹Nr.›</a:t>
             </a:fld>
             <a:endParaRPr lang="en-US" dirty="0"/>
           </a:p>
@@ -1396,7 +1396,7 @@
             <a:fld id="{90298CD5-6C1E-4009-B41F-6DF62E31D3BE}" type="datetimeFigureOut">
               <a:rPr lang="en-US" smtClean="0"/>
               <a:pPr/>
-              <a:t>9/5/2017</a:t>
+              <a:t>9/5/17</a:t>
             </a:fld>
             <a:endParaRPr lang="en-US" dirty="0"/>
           </a:p>
@@ -1439,7 +1439,7 @@
             <a:fld id="{4FAB73BC-B049-4115-A692-8D63A059BFB8}" type="slidenum">
               <a:rPr lang="en-US" smtClean="0"/>
               <a:pPr/>
-              <a:t>‹Nº›</a:t>
+              <a:t>‹Nr.›</a:t>
             </a:fld>
             <a:endParaRPr lang="en-US" dirty="0"/>
           </a:p>
@@ -2021,7 +2021,7 @@
             <a:fld id="{90298CD5-6C1E-4009-B41F-6DF62E31D3BE}" type="datetimeFigureOut">
               <a:rPr lang="en-US" smtClean="0"/>
               <a:pPr/>
-              <a:t>9/5/2017</a:t>
+              <a:t>9/5/17</a:t>
             </a:fld>
             <a:endParaRPr lang="en-US" dirty="0"/>
           </a:p>
@@ -2064,7 +2064,7 @@
             <a:fld id="{4FAB73BC-B049-4115-A692-8D63A059BFB8}" type="slidenum">
               <a:rPr lang="en-US" smtClean="0"/>
               <a:pPr/>
-              <a:t>‹Nº›</a:t>
+              <a:t>‹Nr.›</a:t>
             </a:fld>
             <a:endParaRPr lang="en-US" dirty="0"/>
           </a:p>
@@ -2883,7 +2883,7 @@
             <a:fld id="{90298CD5-6C1E-4009-B41F-6DF62E31D3BE}" type="datetimeFigureOut">
               <a:rPr lang="en-US" smtClean="0"/>
               <a:pPr/>
-              <a:t>9/5/2017</a:t>
+              <a:t>9/5/17</a:t>
             </a:fld>
             <a:endParaRPr lang="en-US" dirty="0"/>
           </a:p>
@@ -2926,7 +2926,7 @@
             <a:fld id="{4FAB73BC-B049-4115-A692-8D63A059BFB8}" type="slidenum">
               <a:rPr lang="en-US" smtClean="0"/>
               <a:pPr/>
-              <a:t>‹Nº›</a:t>
+              <a:t>‹Nr.›</a:t>
             </a:fld>
             <a:endParaRPr lang="en-US" dirty="0"/>
           </a:p>
@@ -3054,7 +3054,7 @@
           <a:p>
             <a:fld id="{4CD73815-2707-4475-8F1A-B873CB631BB4}" type="datetimeFigureOut">
               <a:rPr lang="en-US" smtClean="0"/>
-              <a:t>9/5/2017</a:t>
+              <a:t>9/5/17</a:t>
             </a:fld>
             <a:endParaRPr lang="en-US" dirty="0"/>
           </a:p>
@@ -3096,7 +3096,7 @@
           <a:p>
             <a:fld id="{4FAB73BC-B049-4115-A692-8D63A059BFB8}" type="slidenum">
               <a:rPr lang="en-US" smtClean="0"/>
-              <a:t>‹Nº›</a:t>
+              <a:t>‹Nr.›</a:t>
             </a:fld>
             <a:endParaRPr lang="en-US" dirty="0"/>
           </a:p>
@@ -3234,7 +3234,7 @@
           <a:p>
             <a:fld id="{2A4AFB99-0EAB-4182-AFF8-E214C82A68F6}" type="datetimeFigureOut">
               <a:rPr lang="en-US" smtClean="0"/>
-              <a:t>9/5/2017</a:t>
+              <a:t>9/5/17</a:t>
             </a:fld>
             <a:endParaRPr lang="en-US" dirty="0"/>
           </a:p>
@@ -3276,7 +3276,7 @@
           <a:p>
             <a:fld id="{4FAB73BC-B049-4115-A692-8D63A059BFB8}" type="slidenum">
               <a:rPr lang="en-US" smtClean="0"/>
-              <a:t>‹Nº›</a:t>
+              <a:t>‹Nr.›</a:t>
             </a:fld>
             <a:endParaRPr lang="en-US" dirty="0"/>
           </a:p>
@@ -3404,7 +3404,7 @@
           <a:p>
             <a:fld id="{A5D3794B-289A-4A80-97D7-111025398D45}" type="datetimeFigureOut">
               <a:rPr lang="en-US" smtClean="0"/>
-              <a:t>9/5/2017</a:t>
+              <a:t>9/5/17</a:t>
             </a:fld>
             <a:endParaRPr lang="en-US" dirty="0"/>
           </a:p>
@@ -3446,7 +3446,7 @@
           <a:p>
             <a:fld id="{4FAB73BC-B049-4115-A692-8D63A059BFB8}" type="slidenum">
               <a:rPr lang="en-US" smtClean="0"/>
-              <a:t>‹Nº›</a:t>
+              <a:t>‹Nr.›</a:t>
             </a:fld>
             <a:endParaRPr lang="en-US" dirty="0"/>
           </a:p>
@@ -3651,7 +3651,7 @@
           <a:p>
             <a:fld id="{5A61015F-7CC6-4D0A-9D87-873EA4C304CC}" type="datetimeFigureOut">
               <a:rPr lang="en-US" smtClean="0"/>
-              <a:t>9/5/2017</a:t>
+              <a:t>9/5/17</a:t>
             </a:fld>
             <a:endParaRPr lang="en-US" dirty="0"/>
           </a:p>
@@ -3693,7 +3693,7 @@
           <a:p>
             <a:fld id="{4FAB73BC-B049-4115-A692-8D63A059BFB8}" type="slidenum">
               <a:rPr lang="en-US" smtClean="0"/>
-              <a:t>‹Nº›</a:t>
+              <a:t>‹Nr.›</a:t>
             </a:fld>
             <a:endParaRPr lang="en-US" dirty="0"/>
           </a:p>
@@ -3943,7 +3943,7 @@
           <a:p>
             <a:fld id="{93C6A301-0538-44EC-B09D-202E1042A48B}" type="datetimeFigureOut">
               <a:rPr lang="en-US" smtClean="0"/>
-              <a:t>9/5/2017</a:t>
+              <a:t>9/5/17</a:t>
             </a:fld>
             <a:endParaRPr lang="en-US" dirty="0"/>
           </a:p>
@@ -3985,7 +3985,7 @@
           <a:p>
             <a:fld id="{4FAB73BC-B049-4115-A692-8D63A059BFB8}" type="slidenum">
               <a:rPr lang="en-US" smtClean="0"/>
-              <a:t>‹Nº›</a:t>
+              <a:t>‹Nr.›</a:t>
             </a:fld>
             <a:endParaRPr lang="en-US" dirty="0"/>
           </a:p>
@@ -4387,7 +4387,7 @@
           <a:p>
             <a:fld id="{D789574A-8875-45EF-8EA2-3CAA0F7ABC4C}" type="datetimeFigureOut">
               <a:rPr lang="en-US" smtClean="0"/>
-              <a:t>9/5/2017</a:t>
+              <a:t>9/5/17</a:t>
             </a:fld>
             <a:endParaRPr lang="en-US" dirty="0"/>
           </a:p>
@@ -4429,7 +4429,7 @@
           <a:p>
             <a:fld id="{4FAB73BC-B049-4115-A692-8D63A059BFB8}" type="slidenum">
               <a:rPr lang="en-US" smtClean="0"/>
-              <a:t>‹Nº›</a:t>
+              <a:t>‹Nr.›</a:t>
             </a:fld>
             <a:endParaRPr lang="en-US" dirty="0"/>
           </a:p>
@@ -4505,7 +4505,7 @@
           <a:p>
             <a:fld id="{67EF4D4C-5367-4C26-9E2B-D8088D7FCA81}" type="datetimeFigureOut">
               <a:rPr lang="en-US" smtClean="0"/>
-              <a:t>9/5/2017</a:t>
+              <a:t>9/5/17</a:t>
             </a:fld>
             <a:endParaRPr lang="en-US" dirty="0"/>
           </a:p>
@@ -4547,7 +4547,7 @@
           <a:p>
             <a:fld id="{4FAB73BC-B049-4115-A692-8D63A059BFB8}" type="slidenum">
               <a:rPr lang="en-US" smtClean="0"/>
-              <a:t>‹Nº›</a:t>
+              <a:t>‹Nr.›</a:t>
             </a:fld>
             <a:endParaRPr lang="en-US" dirty="0"/>
           </a:p>
@@ -4600,7 +4600,7 @@
           <a:p>
             <a:fld id="{56E91E96-98B0-4413-9547-46F3504108EF}" type="datetimeFigureOut">
               <a:rPr lang="en-US" smtClean="0"/>
-              <a:t>9/5/2017</a:t>
+              <a:t>9/5/17</a:t>
             </a:fld>
             <a:endParaRPr lang="en-US" dirty="0"/>
           </a:p>
@@ -4642,7 +4642,7 @@
           <a:p>
             <a:fld id="{4FAB73BC-B049-4115-A692-8D63A059BFB8}" type="slidenum">
               <a:rPr lang="en-US" smtClean="0"/>
-              <a:t>‹Nº›</a:t>
+              <a:t>‹Nr.›</a:t>
             </a:fld>
             <a:endParaRPr lang="en-US" dirty="0"/>
           </a:p>
@@ -4879,7 +4879,7 @@
           <a:p>
             <a:fld id="{05C68B11-C5A8-448C-8CE9-B1A273C79CFC}" type="datetimeFigureOut">
               <a:rPr lang="en-US" smtClean="0"/>
-              <a:t>9/5/2017</a:t>
+              <a:t>9/5/17</a:t>
             </a:fld>
             <a:endParaRPr lang="en-US" dirty="0"/>
           </a:p>
@@ -4921,7 +4921,7 @@
           <a:p>
             <a:fld id="{4FAB73BC-B049-4115-A692-8D63A059BFB8}" type="slidenum">
               <a:rPr lang="en-US" smtClean="0"/>
-              <a:t>‹Nº›</a:t>
+              <a:t>‹Nr.›</a:t>
             </a:fld>
             <a:endParaRPr lang="en-US" dirty="0"/>
           </a:p>
@@ -5154,7 +5154,7 @@
           <a:p>
             <a:fld id="{C7616CA0-919D-4A49-9C8A-62FDFB3A5183}" type="datetimeFigureOut">
               <a:rPr lang="en-US" smtClean="0"/>
-              <a:t>9/5/2017</a:t>
+              <a:t>9/5/17</a:t>
             </a:fld>
             <a:endParaRPr lang="en-US" dirty="0"/>
           </a:p>
@@ -5196,7 +5196,7 @@
           <a:p>
             <a:fld id="{867E5644-1E61-4311-A31E-84CB9C7AA8A9}" type="slidenum">
               <a:rPr lang="en-US" smtClean="0"/>
-              <a:t>‹Nº›</a:t>
+              <a:t>‹Nr.›</a:t>
             </a:fld>
             <a:endParaRPr lang="en-US" dirty="0"/>
           </a:p>
@@ -5584,7 +5584,7 @@
             <a:fld id="{90298CD5-6C1E-4009-B41F-6DF62E31D3BE}" type="datetimeFigureOut">
               <a:rPr lang="en-US" smtClean="0"/>
               <a:pPr/>
-              <a:t>9/5/2017</a:t>
+              <a:t>9/5/17</a:t>
             </a:fld>
             <a:endParaRPr lang="en-US" dirty="0"/>
           </a:p>
@@ -5664,7 +5664,7 @@
             <a:fld id="{4FAB73BC-B049-4115-A692-8D63A059BFB8}" type="slidenum">
               <a:rPr lang="en-US" smtClean="0"/>
               <a:pPr/>
-              <a:t>‹Nº›</a:t>
+              <a:t>‹Nr.›</a:t>
             </a:fld>
             <a:endParaRPr lang="en-US" dirty="0"/>
           </a:p>
@@ -6125,8 +6125,8 @@
         </p:nvSpPr>
         <p:spPr>
           <a:xfrm>
-            <a:off x="1154955" y="0"/>
-            <a:ext cx="8825658" cy="3329581"/>
+            <a:off x="1154954" y="0"/>
+            <a:ext cx="9208245" cy="3329581"/>
           </a:xfrm>
         </p:spPr>
         <p:txBody>
@@ -6135,7 +6135,11 @@
           <a:p>
             <a:r>
               <a:rPr lang="es-CL" sz="6000" dirty="0" smtClean="0"/>
-              <a:t>Proyecto Taller de Integración: “Juego 2D”</a:t>
+              <a:t>Proyecto Taller </a:t>
+            </a:r>
+            <a:r>
+              <a:rPr lang="es-CL" sz="6000" dirty="0" smtClean="0"/>
+              <a:t>de Integración: “Juego 2D”</a:t>
             </a:r>
             <a:endParaRPr lang="es-CL" sz="6000" dirty="0"/>
           </a:p>
@@ -6153,21 +6157,25 @@
         </p:nvSpPr>
         <p:spPr>
           <a:xfrm>
-            <a:off x="1154955" y="4275103"/>
-            <a:ext cx="8825658" cy="1932513"/>
+            <a:off x="1154955" y="4075288"/>
+            <a:ext cx="8825658" cy="2404533"/>
           </a:xfrm>
         </p:spPr>
         <p:txBody>
           <a:bodyPr>
-            <a:normAutofit fontScale="77500" lnSpcReduction="20000"/>
+            <a:normAutofit fontScale="85000" lnSpcReduction="20000"/>
           </a:bodyPr>
           <a:lstStyle/>
           <a:p>
             <a:pPr algn="ctr"/>
             <a:r>
-              <a:rPr lang="es-CL" dirty="0" smtClean="0"/>
-              <a:t>Integrantes</a:t>
-            </a:r>
+              <a:rPr lang="es-CL" smtClean="0"/>
+              <a:t>Integrantes:</a:t>
+            </a:r>
+          </a:p>
+          <a:p>
+            <a:pPr algn="ctr"/>
+            <a:endParaRPr lang="es-CL" dirty="0" smtClean="0"/>
           </a:p>
           <a:p>
             <a:pPr algn="ctr"/>
@@ -6431,24 +6439,13 @@
             </a:pPr>
             <a:r>
               <a:rPr lang="es-CL" dirty="0" smtClean="0"/>
-              <a:t>Para la creación de nuestro proyecto utilizaremos el motor de </a:t>
-            </a:r>
-            <a:r>
-              <a:rPr lang="es-CL" dirty="0" err="1" smtClean="0"/>
-              <a:t>videjuegos</a:t>
+              <a:t>Para la creación de nuestro proyecto utilizaremos el motor de videjuegos “</a:t>
             </a:r>
             <a:r>
               <a:rPr lang="es-CL" dirty="0" smtClean="0"/>
-              <a:t> “</a:t>
-            </a:r>
-            <a:r>
-              <a:rPr lang="es-CL" dirty="0" err="1" smtClean="0"/>
-              <a:t>Unity</a:t>
-            </a:r>
-            <a:r>
-              <a:rPr lang="es-CL" dirty="0" smtClean="0"/>
-              <a:t>”.</a:t>
-            </a:r>
+              <a:t>Unity 5”.</a:t>
+            </a:r>
+            <a:endParaRPr lang="es-CL" dirty="0" smtClean="0"/>
           </a:p>
           <a:p>
             <a:pPr marL="0" indent="0">
